--- a/docs/diagrams/UndoRedoStartingCareTakerDiagram.pptx
+++ b/docs/diagrams/UndoRedoStartingCareTakerDiagram.pptx
@@ -265,7 +265,7 @@
           <a:p>
             <a:fld id="{03EC4E3E-8101-482F-A883-8B55DAFF7C07}" type="datetimeFigureOut">
               <a:rPr lang="en-SG" smtClean="0"/>
-              <a:t>17/4/2018</a:t>
+              <a:t>22/4/2018</a:t>
             </a:fld>
             <a:endParaRPr lang="en-SG"/>
           </a:p>
@@ -465,7 +465,7 @@
           <a:p>
             <a:fld id="{03EC4E3E-8101-482F-A883-8B55DAFF7C07}" type="datetimeFigureOut">
               <a:rPr lang="en-SG" smtClean="0"/>
-              <a:t>17/4/2018</a:t>
+              <a:t>22/4/2018</a:t>
             </a:fld>
             <a:endParaRPr lang="en-SG"/>
           </a:p>
@@ -675,7 +675,7 @@
           <a:p>
             <a:fld id="{03EC4E3E-8101-482F-A883-8B55DAFF7C07}" type="datetimeFigureOut">
               <a:rPr lang="en-SG" smtClean="0"/>
-              <a:t>17/4/2018</a:t>
+              <a:t>22/4/2018</a:t>
             </a:fld>
             <a:endParaRPr lang="en-SG"/>
           </a:p>
@@ -875,7 +875,7 @@
           <a:p>
             <a:fld id="{03EC4E3E-8101-482F-A883-8B55DAFF7C07}" type="datetimeFigureOut">
               <a:rPr lang="en-SG" smtClean="0"/>
-              <a:t>17/4/2018</a:t>
+              <a:t>22/4/2018</a:t>
             </a:fld>
             <a:endParaRPr lang="en-SG"/>
           </a:p>
@@ -1151,7 +1151,7 @@
           <a:p>
             <a:fld id="{03EC4E3E-8101-482F-A883-8B55DAFF7C07}" type="datetimeFigureOut">
               <a:rPr lang="en-SG" smtClean="0"/>
-              <a:t>17/4/2018</a:t>
+              <a:t>22/4/2018</a:t>
             </a:fld>
             <a:endParaRPr lang="en-SG"/>
           </a:p>
@@ -1419,7 +1419,7 @@
           <a:p>
             <a:fld id="{03EC4E3E-8101-482F-A883-8B55DAFF7C07}" type="datetimeFigureOut">
               <a:rPr lang="en-SG" smtClean="0"/>
-              <a:t>17/4/2018</a:t>
+              <a:t>22/4/2018</a:t>
             </a:fld>
             <a:endParaRPr lang="en-SG"/>
           </a:p>
@@ -1834,7 +1834,7 @@
           <a:p>
             <a:fld id="{03EC4E3E-8101-482F-A883-8B55DAFF7C07}" type="datetimeFigureOut">
               <a:rPr lang="en-SG" smtClean="0"/>
-              <a:t>17/4/2018</a:t>
+              <a:t>22/4/2018</a:t>
             </a:fld>
             <a:endParaRPr lang="en-SG"/>
           </a:p>
@@ -1976,7 +1976,7 @@
           <a:p>
             <a:fld id="{03EC4E3E-8101-482F-A883-8B55DAFF7C07}" type="datetimeFigureOut">
               <a:rPr lang="en-SG" smtClean="0"/>
-              <a:t>17/4/2018</a:t>
+              <a:t>22/4/2018</a:t>
             </a:fld>
             <a:endParaRPr lang="en-SG"/>
           </a:p>
@@ -2089,7 +2089,7 @@
           <a:p>
             <a:fld id="{03EC4E3E-8101-482F-A883-8B55DAFF7C07}" type="datetimeFigureOut">
               <a:rPr lang="en-SG" smtClean="0"/>
-              <a:t>17/4/2018</a:t>
+              <a:t>22/4/2018</a:t>
             </a:fld>
             <a:endParaRPr lang="en-SG"/>
           </a:p>
@@ -2402,7 +2402,7 @@
           <a:p>
             <a:fld id="{03EC4E3E-8101-482F-A883-8B55DAFF7C07}" type="datetimeFigureOut">
               <a:rPr lang="en-SG" smtClean="0"/>
-              <a:t>17/4/2018</a:t>
+              <a:t>22/4/2018</a:t>
             </a:fld>
             <a:endParaRPr lang="en-SG"/>
           </a:p>
@@ -2691,7 +2691,7 @@
           <a:p>
             <a:fld id="{03EC4E3E-8101-482F-A883-8B55DAFF7C07}" type="datetimeFigureOut">
               <a:rPr lang="en-SG" smtClean="0"/>
-              <a:t>17/4/2018</a:t>
+              <a:t>22/4/2018</a:t>
             </a:fld>
             <a:endParaRPr lang="en-SG"/>
           </a:p>
@@ -2934,7 +2934,7 @@
           <a:p>
             <a:fld id="{03EC4E3E-8101-482F-A883-8B55DAFF7C07}" type="datetimeFigureOut">
               <a:rPr lang="en-SG" smtClean="0"/>
-              <a:t>17/4/2018</a:t>
+              <a:t>22/4/2018</a:t>
             </a:fld>
             <a:endParaRPr lang="en-SG"/>
           </a:p>
@@ -3413,14 +3413,14 @@
           <p:nvPr>
             <p:extLst>
               <p:ext uri="{D42A27DB-BD31-4B8C-83A1-F6EECF244321}">
-                <p14:modId xmlns:p14="http://schemas.microsoft.com/office/powerpoint/2010/main" val="2636022935"/>
+                <p14:modId xmlns:p14="http://schemas.microsoft.com/office/powerpoint/2010/main" val="1408588176"/>
               </p:ext>
             </p:extLst>
           </p:nvPr>
         </p:nvGraphicFramePr>
         <p:xfrm>
-          <a:off x="468049" y="1271575"/>
-          <a:ext cx="2433209" cy="816036"/>
+          <a:off x="473240" y="1476102"/>
+          <a:ext cx="1789739" cy="417888"/>
         </p:xfrm>
         <a:graphic>
           <a:graphicData uri="http://schemas.openxmlformats.org/drawingml/2006/table">
@@ -3429,7 +3429,7 @@
                 <a:tableStyleId>{638B1855-1B75-4FBE-930C-398BA8C253C6}</a:tableStyleId>
               </a:tblPr>
               <a:tblGrid>
-                <a:gridCol w="2433209">
+                <a:gridCol w="1789739">
                   <a:extLst>
                     <a:ext uri="{9D8B030D-6E8A-4147-A177-3AD203B41FA5}">
                       <a16:colId xmlns:a16="http://schemas.microsoft.com/office/drawing/2014/main" val="4240773277"/>
@@ -3437,7 +3437,7 @@
                   </a:extLst>
                 </a:gridCol>
               </a:tblGrid>
-              <a:tr h="408018">
+              <a:tr h="417888">
                 <a:tc>
                   <a:txBody>
                     <a:bodyPr/>
@@ -3445,65 +3445,20 @@
                     <a:p>
                       <a:r>
                         <a:rPr lang="en-SG" u="sng" dirty="0" smtClean="0"/>
-                        <a:t>:AddressBook0</a:t>
+                        <a:t>:</a:t>
+                      </a:r>
+                      <a:r>
+                        <a:rPr lang="en-SG" sz="2000" u="sng" dirty="0" smtClean="0"/>
+                        <a:t>AddressBook0</a:t>
                       </a:r>
                       <a:endParaRPr lang="en-SG" u="sng" dirty="0"/>
                     </a:p>
                   </a:txBody>
-                  <a:tcPr>
-                    <a:lnB w="12700" cap="flat" cmpd="sng" algn="ctr">
-                      <a:solidFill>
-                        <a:schemeClr val="bg1">
-                          <a:lumMod val="75000"/>
-                        </a:schemeClr>
-                      </a:solidFill>
-                      <a:prstDash val="solid"/>
-                      <a:round/>
-                      <a:headEnd type="none" w="med" len="med"/>
-                      <a:tailEnd type="none" w="med" len="med"/>
-                    </a:lnB>
-                  </a:tcPr>
+                  <a:tcPr/>
                 </a:tc>
                 <a:extLst>
                   <a:ext uri="{0D108BD9-81ED-4DB2-BD59-A6C34878D82A}">
                     <a16:rowId xmlns:a16="http://schemas.microsoft.com/office/drawing/2014/main" val="2194462629"/>
-                  </a:ext>
-                </a:extLst>
-              </a:tr>
-              <a:tr h="408018">
-                <a:tc>
-                  <a:txBody>
-                    <a:bodyPr/>
-                    <a:lstStyle/>
-                    <a:p>
-                      <a:r>
-                        <a:rPr lang="en-SG" dirty="0" err="1" smtClean="0"/>
-                        <a:t>prevAddressBook</a:t>
-                      </a:r>
-                      <a:r>
-                        <a:rPr lang="en-SG" dirty="0" smtClean="0"/>
-                        <a:t> = s0</a:t>
-                      </a:r>
-                      <a:endParaRPr lang="en-SG" dirty="0"/>
-                    </a:p>
-                  </a:txBody>
-                  <a:tcPr>
-                    <a:lnT w="12700" cap="flat" cmpd="sng" algn="ctr">
-                      <a:solidFill>
-                        <a:schemeClr val="bg1">
-                          <a:lumMod val="75000"/>
-                        </a:schemeClr>
-                      </a:solidFill>
-                      <a:prstDash val="solid"/>
-                      <a:round/>
-                      <a:headEnd type="none" w="med" len="med"/>
-                      <a:tailEnd type="none" w="med" len="med"/>
-                    </a:lnT>
-                  </a:tcPr>
-                </a:tc>
-                <a:extLst>
-                  <a:ext uri="{0D108BD9-81ED-4DB2-BD59-A6C34878D82A}">
-                    <a16:rowId xmlns:a16="http://schemas.microsoft.com/office/drawing/2014/main" val="368623409"/>
                   </a:ext>
                 </a:extLst>
               </a:tr>
@@ -3526,14 +3481,14 @@
           <p:nvPr>
             <p:extLst>
               <p:ext uri="{D42A27DB-BD31-4B8C-83A1-F6EECF244321}">
-                <p14:modId xmlns:p14="http://schemas.microsoft.com/office/powerpoint/2010/main" val="429277807"/>
+                <p14:modId xmlns:p14="http://schemas.microsoft.com/office/powerpoint/2010/main" val="4078037368"/>
               </p:ext>
             </p:extLst>
           </p:nvPr>
         </p:nvGraphicFramePr>
         <p:xfrm>
-          <a:off x="3027117" y="3727515"/>
-          <a:ext cx="2433209" cy="816036"/>
+          <a:off x="2563168" y="3931005"/>
+          <a:ext cx="1753888" cy="409055"/>
         </p:xfrm>
         <a:graphic>
           <a:graphicData uri="http://schemas.openxmlformats.org/drawingml/2006/table">
@@ -3542,7 +3497,7 @@
                 <a:tableStyleId>{638B1855-1B75-4FBE-930C-398BA8C253C6}</a:tableStyleId>
               </a:tblPr>
               <a:tblGrid>
-                <a:gridCol w="2433209">
+                <a:gridCol w="1753888">
                   <a:extLst>
                     <a:ext uri="{9D8B030D-6E8A-4147-A177-3AD203B41FA5}">
                       <a16:colId xmlns:a16="http://schemas.microsoft.com/office/drawing/2014/main" val="4240773277"/>
@@ -3550,32 +3505,20 @@
                   </a:extLst>
                 </a:gridCol>
               </a:tblGrid>
-              <a:tr h="408018">
+              <a:tr h="409055">
                 <a:tc>
                   <a:txBody>
                     <a:bodyPr/>
                     <a:lstStyle/>
                     <a:p>
                       <a:r>
-                        <a:rPr lang="en-SG" u="sng" dirty="0" smtClean="0"/>
+                        <a:rPr lang="en-SG" sz="2000" u="sng" dirty="0" smtClean="0"/>
                         <a:t>:AddressBook1</a:t>
                       </a:r>
-                      <a:endParaRPr lang="en-SG" u="sng" dirty="0"/>
+                      <a:endParaRPr lang="en-SG" sz="2000" u="sng" dirty="0"/>
                     </a:p>
                   </a:txBody>
-                  <a:tcPr>
-                    <a:lnB w="12700" cap="flat" cmpd="sng" algn="ctr">
-                      <a:solidFill>
-                        <a:schemeClr val="bg1">
-                          <a:lumMod val="75000"/>
-                        </a:schemeClr>
-                      </a:solidFill>
-                      <a:prstDash val="solid"/>
-                      <a:round/>
-                      <a:headEnd type="none" w="med" len="med"/>
-                      <a:tailEnd type="none" w="med" len="med"/>
-                    </a:lnB>
-                  </a:tcPr>
+                  <a:tcPr/>
                 </a:tc>
                 <a:extLst>
                   <a:ext uri="{0D108BD9-81ED-4DB2-BD59-A6C34878D82A}">
@@ -3583,43 +3526,6 @@
                   </a:ext>
                 </a:extLst>
               </a:tr>
-              <a:tr h="408018">
-                <a:tc>
-                  <a:txBody>
-                    <a:bodyPr/>
-                    <a:lstStyle/>
-                    <a:p>
-                      <a:r>
-                        <a:rPr lang="en-SG" dirty="0" err="1" smtClean="0"/>
-                        <a:t>prevAddressBook</a:t>
-                      </a:r>
-                      <a:r>
-                        <a:rPr lang="en-SG" dirty="0" smtClean="0"/>
-                        <a:t> = s1</a:t>
-                      </a:r>
-                      <a:endParaRPr lang="en-SG" dirty="0"/>
-                    </a:p>
-                  </a:txBody>
-                  <a:tcPr>
-                    <a:lnT w="12700" cap="flat" cmpd="sng" algn="ctr">
-                      <a:solidFill>
-                        <a:schemeClr val="bg1">
-                          <a:lumMod val="75000"/>
-                        </a:schemeClr>
-                      </a:solidFill>
-                      <a:prstDash val="solid"/>
-                      <a:round/>
-                      <a:headEnd type="none" w="med" len="med"/>
-                      <a:tailEnd type="none" w="med" len="med"/>
-                    </a:lnT>
-                  </a:tcPr>
-                </a:tc>
-                <a:extLst>
-                  <a:ext uri="{0D108BD9-81ED-4DB2-BD59-A6C34878D82A}">
-                    <a16:rowId xmlns:a16="http://schemas.microsoft.com/office/drawing/2014/main" val="368623409"/>
-                  </a:ext>
-                </a:extLst>
-              </a:tr>
             </a:tbl>
           </a:graphicData>
         </a:graphic>
@@ -3632,8 +3538,8 @@
         </p:nvSpPr>
         <p:spPr>
           <a:xfrm>
-            <a:off x="1472871" y="2133600"/>
-            <a:ext cx="261258" cy="708503"/>
+            <a:off x="1472871" y="2037682"/>
+            <a:ext cx="234009" cy="804421"/>
           </a:xfrm>
           <a:prstGeom prst="upArrow">
             <a:avLst/>
@@ -3672,8 +3578,8 @@
         </p:nvSpPr>
         <p:spPr>
           <a:xfrm>
-            <a:off x="4397701" y="2348086"/>
-            <a:ext cx="1672046" cy="1178886"/>
+            <a:off x="4397701" y="2244365"/>
+            <a:ext cx="1672046" cy="1402081"/>
           </a:xfrm>
           <a:prstGeom prst="downArrow">
             <a:avLst/>
@@ -3720,8 +3626,8 @@
         </p:nvSpPr>
         <p:spPr>
           <a:xfrm>
-            <a:off x="364797" y="1210491"/>
-            <a:ext cx="11364686" cy="940526"/>
+            <a:off x="364797" y="1375953"/>
+            <a:ext cx="11364686" cy="618187"/>
           </a:xfrm>
           <a:prstGeom prst="rect">
             <a:avLst/>
@@ -3772,7 +3678,7 @@
         </p:nvSpPr>
         <p:spPr>
           <a:xfrm>
-            <a:off x="2713556" y="5231249"/>
+            <a:off x="1967014" y="5245581"/>
             <a:ext cx="3207000" cy="369332"/>
           </a:xfrm>
           <a:prstGeom prst="rect">
@@ -3820,14 +3726,14 @@
           <p:nvPr>
             <p:extLst>
               <p:ext uri="{D42A27DB-BD31-4B8C-83A1-F6EECF244321}">
-                <p14:modId xmlns:p14="http://schemas.microsoft.com/office/powerpoint/2010/main" val="95848566"/>
+                <p14:modId xmlns:p14="http://schemas.microsoft.com/office/powerpoint/2010/main" val="1829008037"/>
               </p:ext>
             </p:extLst>
           </p:nvPr>
         </p:nvGraphicFramePr>
         <p:xfrm>
-          <a:off x="490656" y="3727516"/>
-          <a:ext cx="2433209" cy="816036"/>
+          <a:off x="473240" y="3931005"/>
+          <a:ext cx="1825824" cy="409055"/>
         </p:xfrm>
         <a:graphic>
           <a:graphicData uri="http://schemas.openxmlformats.org/drawingml/2006/table">
@@ -3836,7 +3742,7 @@
                 <a:tableStyleId>{638B1855-1B75-4FBE-930C-398BA8C253C6}</a:tableStyleId>
               </a:tblPr>
               <a:tblGrid>
-                <a:gridCol w="2433209">
+                <a:gridCol w="1825824">
                   <a:extLst>
                     <a:ext uri="{9D8B030D-6E8A-4147-A177-3AD203B41FA5}">
                       <a16:colId xmlns:a16="http://schemas.microsoft.com/office/drawing/2014/main" val="4240773277"/>
@@ -3844,32 +3750,20 @@
                   </a:extLst>
                 </a:gridCol>
               </a:tblGrid>
-              <a:tr h="408018">
+              <a:tr h="409055">
                 <a:tc>
                   <a:txBody>
                     <a:bodyPr/>
                     <a:lstStyle/>
                     <a:p>
                       <a:r>
-                        <a:rPr lang="en-SG" u="sng" dirty="0" smtClean="0"/>
+                        <a:rPr lang="en-SG" sz="2000" u="sng" dirty="0" smtClean="0"/>
                         <a:t>:AddressBook0</a:t>
                       </a:r>
-                      <a:endParaRPr lang="en-SG" u="sng" dirty="0"/>
+                      <a:endParaRPr lang="en-SG" sz="2000" u="sng" dirty="0"/>
                     </a:p>
                   </a:txBody>
-                  <a:tcPr>
-                    <a:lnB w="12700" cap="flat" cmpd="sng" algn="ctr">
-                      <a:solidFill>
-                        <a:schemeClr val="bg1">
-                          <a:lumMod val="75000"/>
-                        </a:schemeClr>
-                      </a:solidFill>
-                      <a:prstDash val="solid"/>
-                      <a:round/>
-                      <a:headEnd type="none" w="med" len="med"/>
-                      <a:tailEnd type="none" w="med" len="med"/>
-                    </a:lnB>
-                  </a:tcPr>
+                  <a:tcPr/>
                 </a:tc>
                 <a:extLst>
                   <a:ext uri="{0D108BD9-81ED-4DB2-BD59-A6C34878D82A}">
@@ -3877,43 +3771,6 @@
                   </a:ext>
                 </a:extLst>
               </a:tr>
-              <a:tr h="408018">
-                <a:tc>
-                  <a:txBody>
-                    <a:bodyPr/>
-                    <a:lstStyle/>
-                    <a:p>
-                      <a:r>
-                        <a:rPr lang="en-SG" dirty="0" err="1" smtClean="0"/>
-                        <a:t>prevAddressBook</a:t>
-                      </a:r>
-                      <a:r>
-                        <a:rPr lang="en-SG" dirty="0" smtClean="0"/>
-                        <a:t> = s0</a:t>
-                      </a:r>
-                      <a:endParaRPr lang="en-SG" dirty="0"/>
-                    </a:p>
-                  </a:txBody>
-                  <a:tcPr>
-                    <a:lnT w="12700" cap="flat" cmpd="sng" algn="ctr">
-                      <a:solidFill>
-                        <a:schemeClr val="bg1">
-                          <a:lumMod val="75000"/>
-                        </a:schemeClr>
-                      </a:solidFill>
-                      <a:prstDash val="solid"/>
-                      <a:round/>
-                      <a:headEnd type="none" w="med" len="med"/>
-                      <a:tailEnd type="none" w="med" len="med"/>
-                    </a:lnT>
-                  </a:tcPr>
-                </a:tc>
-                <a:extLst>
-                  <a:ext uri="{0D108BD9-81ED-4DB2-BD59-A6C34878D82A}">
-                    <a16:rowId xmlns:a16="http://schemas.microsoft.com/office/drawing/2014/main" val="368623409"/>
-                  </a:ext>
-                </a:extLst>
-              </a:tr>
             </a:tbl>
           </a:graphicData>
         </a:graphic>
@@ -3926,8 +3783,8 @@
         </p:nvSpPr>
         <p:spPr>
           <a:xfrm>
-            <a:off x="4186427" y="4604109"/>
-            <a:ext cx="261258" cy="708503"/>
+            <a:off x="3309483" y="4432492"/>
+            <a:ext cx="261031" cy="798758"/>
           </a:xfrm>
           <a:prstGeom prst="upArrow">
             <a:avLst/>
@@ -3966,8 +3823,8 @@
         </p:nvSpPr>
         <p:spPr>
           <a:xfrm>
-            <a:off x="387404" y="3666432"/>
-            <a:ext cx="11364686" cy="940526"/>
+            <a:off x="387404" y="3838574"/>
+            <a:ext cx="11364686" cy="593918"/>
           </a:xfrm>
           <a:prstGeom prst="rect">
             <a:avLst/>
